--- a/张俊强/智能制造/周会/周会-2110/第四周汇报.pptx
+++ b/张俊强/智能制造/周会/周会-2110/第四周汇报.pptx
@@ -7,7 +7,8 @@
   <p:sldIdLst>
     <p:sldId id="256" r:id="rId2"/>
     <p:sldId id="257" r:id="rId3"/>
-    <p:sldId id="258" r:id="rId4"/>
+    <p:sldId id="259" r:id="rId4"/>
+    <p:sldId id="258" r:id="rId5"/>
   </p:sldIdLst>
   <p:sldSz cx="12192000" cy="6858000"/>
   <p:notesSz cx="6858000" cy="9144000"/>
@@ -106,6 +107,11 @@
       </a:defRPr>
     </a:lvl9pPr>
   </p:defaultTextStyle>
+  <p:extLst>
+    <p:ext uri="{EFAFB233-063F-42B5-8137-9DF3F51BA10A}">
+      <p15:sldGuideLst xmlns:p15="http://schemas.microsoft.com/office/powerpoint/2012/main"/>
+    </p:ext>
+  </p:extLst>
 </p:presentation>
 </file>
 
@@ -256,7 +262,7 @@
           <a:p>
             <a:fld id="{74294BA4-A9FB-46DB-A584-FB299EE8F389}" type="datetimeFigureOut">
               <a:rPr lang="zh-CN" altLang="en-US" smtClean="0"/>
-              <a:t>2021/10/28</a:t>
+              <a:t>2021/11/1</a:t>
             </a:fld>
             <a:endParaRPr lang="zh-CN" altLang="en-US"/>
           </a:p>
@@ -454,7 +460,7 @@
           <a:p>
             <a:fld id="{74294BA4-A9FB-46DB-A584-FB299EE8F389}" type="datetimeFigureOut">
               <a:rPr lang="zh-CN" altLang="en-US" smtClean="0"/>
-              <a:t>2021/10/28</a:t>
+              <a:t>2021/11/1</a:t>
             </a:fld>
             <a:endParaRPr lang="zh-CN" altLang="en-US"/>
           </a:p>
@@ -662,7 +668,7 @@
           <a:p>
             <a:fld id="{74294BA4-A9FB-46DB-A584-FB299EE8F389}" type="datetimeFigureOut">
               <a:rPr lang="zh-CN" altLang="en-US" smtClean="0"/>
-              <a:t>2021/10/28</a:t>
+              <a:t>2021/11/1</a:t>
             </a:fld>
             <a:endParaRPr lang="zh-CN" altLang="en-US"/>
           </a:p>
@@ -860,7 +866,7 @@
           <a:p>
             <a:fld id="{74294BA4-A9FB-46DB-A584-FB299EE8F389}" type="datetimeFigureOut">
               <a:rPr lang="zh-CN" altLang="en-US" smtClean="0"/>
-              <a:t>2021/10/28</a:t>
+              <a:t>2021/11/1</a:t>
             </a:fld>
             <a:endParaRPr lang="zh-CN" altLang="en-US"/>
           </a:p>
@@ -1135,7 +1141,7 @@
           <a:p>
             <a:fld id="{74294BA4-A9FB-46DB-A584-FB299EE8F389}" type="datetimeFigureOut">
               <a:rPr lang="zh-CN" altLang="en-US" smtClean="0"/>
-              <a:t>2021/10/28</a:t>
+              <a:t>2021/11/1</a:t>
             </a:fld>
             <a:endParaRPr lang="zh-CN" altLang="en-US"/>
           </a:p>
@@ -1400,7 +1406,7 @@
           <a:p>
             <a:fld id="{74294BA4-A9FB-46DB-A584-FB299EE8F389}" type="datetimeFigureOut">
               <a:rPr lang="zh-CN" altLang="en-US" smtClean="0"/>
-              <a:t>2021/10/28</a:t>
+              <a:t>2021/11/1</a:t>
             </a:fld>
             <a:endParaRPr lang="zh-CN" altLang="en-US"/>
           </a:p>
@@ -1812,7 +1818,7 @@
           <a:p>
             <a:fld id="{74294BA4-A9FB-46DB-A584-FB299EE8F389}" type="datetimeFigureOut">
               <a:rPr lang="zh-CN" altLang="en-US" smtClean="0"/>
-              <a:t>2021/10/28</a:t>
+              <a:t>2021/11/1</a:t>
             </a:fld>
             <a:endParaRPr lang="zh-CN" altLang="en-US"/>
           </a:p>
@@ -1953,7 +1959,7 @@
           <a:p>
             <a:fld id="{74294BA4-A9FB-46DB-A584-FB299EE8F389}" type="datetimeFigureOut">
               <a:rPr lang="zh-CN" altLang="en-US" smtClean="0"/>
-              <a:t>2021/10/28</a:t>
+              <a:t>2021/11/1</a:t>
             </a:fld>
             <a:endParaRPr lang="zh-CN" altLang="en-US"/>
           </a:p>
@@ -2066,7 +2072,7 @@
           <a:p>
             <a:fld id="{74294BA4-A9FB-46DB-A584-FB299EE8F389}" type="datetimeFigureOut">
               <a:rPr lang="zh-CN" altLang="en-US" smtClean="0"/>
-              <a:t>2021/10/28</a:t>
+              <a:t>2021/11/1</a:t>
             </a:fld>
             <a:endParaRPr lang="zh-CN" altLang="en-US"/>
           </a:p>
@@ -2377,7 +2383,7 @@
           <a:p>
             <a:fld id="{74294BA4-A9FB-46DB-A584-FB299EE8F389}" type="datetimeFigureOut">
               <a:rPr lang="zh-CN" altLang="en-US" smtClean="0"/>
-              <a:t>2021/10/28</a:t>
+              <a:t>2021/11/1</a:t>
             </a:fld>
             <a:endParaRPr lang="zh-CN" altLang="en-US"/>
           </a:p>
@@ -2665,7 +2671,7 @@
           <a:p>
             <a:fld id="{74294BA4-A9FB-46DB-A584-FB299EE8F389}" type="datetimeFigureOut">
               <a:rPr lang="zh-CN" altLang="en-US" smtClean="0"/>
-              <a:t>2021/10/28</a:t>
+              <a:t>2021/11/1</a:t>
             </a:fld>
             <a:endParaRPr lang="zh-CN" altLang="en-US"/>
           </a:p>
@@ -2906,7 +2912,7 @@
           <a:p>
             <a:fld id="{74294BA4-A9FB-46DB-A584-FB299EE8F389}" type="datetimeFigureOut">
               <a:rPr lang="zh-CN" altLang="en-US" smtClean="0"/>
-              <a:t>2021/10/28</a:t>
+              <a:t>2021/11/1</a:t>
             </a:fld>
             <a:endParaRPr lang="zh-CN" altLang="en-US"/>
           </a:p>
@@ -3552,7 +3558,31 @@
                 <a:latin typeface="隶书" panose="02010509060101010101" pitchFamily="49" charset="-122"/>
                 <a:ea typeface="隶书" panose="02010509060101010101" pitchFamily="49" charset="-122"/>
               </a:rPr>
-              <a:t> 阅读论文 </a:t>
+              <a:t> </a:t>
+            </a:r>
+            <a:r>
+              <a:rPr lang="zh-CN" altLang="en-US" dirty="0">
+                <a:solidFill>
+                  <a:schemeClr val="accent5">
+                    <a:lumMod val="50000"/>
+                  </a:schemeClr>
+                </a:solidFill>
+                <a:latin typeface="隶书" panose="02010509060101010101" pitchFamily="49" charset="-122"/>
+                <a:ea typeface="隶书" panose="02010509060101010101"/>
+              </a:rPr>
+              <a:t>阅读</a:t>
+            </a:r>
+            <a:r>
+              <a:rPr lang="zh-CN" altLang="en-US" dirty="0">
+                <a:solidFill>
+                  <a:schemeClr val="accent5">
+                    <a:lumMod val="50000"/>
+                  </a:schemeClr>
+                </a:solidFill>
+                <a:latin typeface="隶书" panose="02010509060101010101" pitchFamily="49" charset="-122"/>
+                <a:ea typeface="隶书" panose="02010509060101010101" pitchFamily="49" charset="-122"/>
+              </a:rPr>
+              <a:t>论文 </a:t>
             </a:r>
             <a:r>
               <a:rPr lang="en-US" altLang="zh-CN" dirty="0">
@@ -3939,7 +3969,7 @@
                 <a:latin typeface="隶书" panose="02010509060101010101" pitchFamily="49" charset="-122"/>
                 <a:ea typeface="隶书" panose="02010509060101010101" pitchFamily="49" charset="-122"/>
               </a:rPr>
-              <a:t>下周安排</a:t>
+              <a:t>本周工作</a:t>
             </a:r>
           </a:p>
         </p:txBody>
@@ -3963,13 +3993,11 @@
         <p:spPr>
           <a:xfrm>
             <a:off x="838200" y="1413501"/>
-            <a:ext cx="10515600" cy="4910026"/>
+            <a:ext cx="10515600" cy="4351338"/>
           </a:xfrm>
         </p:spPr>
         <p:txBody>
-          <a:bodyPr>
-            <a:normAutofit/>
-          </a:bodyPr>
+          <a:bodyPr/>
           <a:lstStyle/>
           <a:p>
             <a:pPr>
@@ -3986,7 +4014,7 @@
                 <a:latin typeface="隶书" panose="02010509060101010101" pitchFamily="49" charset="-122"/>
                 <a:ea typeface="隶书" panose="02010509060101010101" pitchFamily="49" charset="-122"/>
               </a:rPr>
-              <a:t> Faster R-CNN </a:t>
+              <a:t> </a:t>
             </a:r>
             <a:r>
               <a:rPr lang="zh-CN" altLang="en-US" dirty="0">
@@ -3998,7 +4026,7 @@
                 <a:latin typeface="隶书" panose="02010509060101010101" pitchFamily="49" charset="-122"/>
                 <a:ea typeface="隶书" panose="02010509060101010101" pitchFamily="49" charset="-122"/>
               </a:rPr>
-              <a:t>系列论文</a:t>
+              <a:t>实验</a:t>
             </a:r>
             <a:endParaRPr lang="en-US" altLang="zh-CN" dirty="0">
               <a:solidFill>
@@ -4025,7 +4053,7 @@
                 <a:latin typeface="隶书" panose="02010509060101010101" pitchFamily="49" charset="-122"/>
                 <a:ea typeface="隶书" panose="02010509060101010101" pitchFamily="49" charset="-122"/>
               </a:rPr>
-              <a:t> 阅读论文 </a:t>
+              <a:t> 钢材数据集 </a:t>
             </a:r>
             <a:r>
               <a:rPr lang="en-US" altLang="zh-CN" dirty="0">
@@ -4037,7 +4065,7 @@
                 <a:latin typeface="隶书" panose="02010509060101010101" pitchFamily="49" charset="-122"/>
                 <a:ea typeface="隶书" panose="02010509060101010101" pitchFamily="49" charset="-122"/>
               </a:rPr>
-              <a:t>Grid R-CNN</a:t>
+              <a:t>+ Faster R-CNN</a:t>
             </a:r>
           </a:p>
           <a:p>
@@ -4045,54 +4073,6 @@
               <a:buFont typeface="Wingdings" panose="05000000000000000000" pitchFamily="2" charset="2"/>
               <a:buChar char="l"/>
             </a:pPr>
-            <a:r>
-              <a:rPr lang="en-US" altLang="zh-CN" dirty="0">
-                <a:solidFill>
-                  <a:schemeClr val="accent5">
-                    <a:lumMod val="50000"/>
-                  </a:schemeClr>
-                </a:solidFill>
-                <a:latin typeface="隶书" panose="02010509060101010101" pitchFamily="49" charset="-122"/>
-                <a:ea typeface="隶书" panose="02010509060101010101" pitchFamily="49" charset="-122"/>
-              </a:rPr>
-              <a:t> </a:t>
-            </a:r>
-            <a:r>
-              <a:rPr lang="zh-CN" altLang="en-US" dirty="0">
-                <a:solidFill>
-                  <a:schemeClr val="accent5">
-                    <a:lumMod val="50000"/>
-                  </a:schemeClr>
-                </a:solidFill>
-                <a:latin typeface="隶书" panose="02010509060101010101" pitchFamily="49" charset="-122"/>
-                <a:ea typeface="隶书" panose="02010509060101010101" pitchFamily="49" charset="-122"/>
-              </a:rPr>
-              <a:t>编写 </a:t>
-            </a:r>
-            <a:r>
-              <a:rPr lang="en-US" altLang="zh-CN" dirty="0">
-                <a:solidFill>
-                  <a:schemeClr val="accent5">
-                    <a:lumMod val="50000"/>
-                  </a:schemeClr>
-                </a:solidFill>
-                <a:latin typeface="隶书" panose="02010509060101010101" pitchFamily="49" charset="-122"/>
-                <a:ea typeface="隶书" panose="02010509060101010101" pitchFamily="49" charset="-122"/>
-              </a:rPr>
-              <a:t>Faster R-CNN </a:t>
-            </a:r>
-            <a:r>
-              <a:rPr lang="zh-CN" altLang="en-US" dirty="0">
-                <a:solidFill>
-                  <a:schemeClr val="accent5">
-                    <a:lumMod val="50000"/>
-                  </a:schemeClr>
-                </a:solidFill>
-                <a:latin typeface="隶书" panose="02010509060101010101" pitchFamily="49" charset="-122"/>
-                <a:ea typeface="隶书" panose="02010509060101010101" pitchFamily="49" charset="-122"/>
-              </a:rPr>
-              <a:t>代码</a:t>
-            </a:r>
             <a:endParaRPr lang="en-US" altLang="zh-CN" dirty="0">
               <a:solidFill>
                 <a:schemeClr val="accent5">
@@ -4103,13 +4083,430 @@
               <a:ea typeface="隶书" panose="02010509060101010101" pitchFamily="49" charset="-122"/>
             </a:endParaRPr>
           </a:p>
+        </p:txBody>
+      </p:sp>
+      <p:sp>
+        <p:nvSpPr>
+          <p:cNvPr id="6" name="流程图: 过程 5">
+            <a:extLst>
+              <a:ext uri="{FF2B5EF4-FFF2-40B4-BE49-F238E27FC236}">
+                <a16:creationId xmlns:a16="http://schemas.microsoft.com/office/drawing/2014/main" id="{ABE72707-2E00-4E1A-B2F8-16AEC784FA01}"/>
+              </a:ext>
+            </a:extLst>
+          </p:cNvPr>
+          <p:cNvSpPr/>
+          <p:nvPr/>
+        </p:nvSpPr>
+        <p:spPr>
+          <a:xfrm flipV="1">
+            <a:off x="838200" y="1079036"/>
+            <a:ext cx="10515600" cy="45719"/>
+          </a:xfrm>
+          <a:prstGeom prst="flowChartProcess">
+            <a:avLst/>
+          </a:prstGeom>
+          <a:solidFill>
+            <a:schemeClr val="accent1">
+              <a:lumMod val="75000"/>
+            </a:schemeClr>
+          </a:solidFill>
+          <a:ln>
+            <a:solidFill>
+              <a:schemeClr val="accent1"/>
+            </a:solidFill>
+          </a:ln>
+        </p:spPr>
+        <p:style>
+          <a:lnRef idx="2">
+            <a:schemeClr val="accent1">
+              <a:shade val="50000"/>
+            </a:schemeClr>
+          </a:lnRef>
+          <a:fillRef idx="1">
+            <a:schemeClr val="accent1"/>
+          </a:fillRef>
+          <a:effectRef idx="0">
+            <a:schemeClr val="accent1"/>
+          </a:effectRef>
+          <a:fontRef idx="minor">
+            <a:schemeClr val="lt1"/>
+          </a:fontRef>
+        </p:style>
+        <p:txBody>
+          <a:bodyPr rtlCol="0" anchor="ctr"/>
+          <a:lstStyle/>
+          <a:p>
+            <a:pPr algn="ctr"/>
+            <a:endParaRPr lang="zh-CN" altLang="en-US">
+              <a:ln w="0">
+                <a:solidFill>
+                  <a:schemeClr val="accent1"/>
+                </a:solidFill>
+              </a:ln>
+              <a:solidFill>
+                <a:schemeClr val="accent1">
+                  <a:lumMod val="50000"/>
+                </a:schemeClr>
+              </a:solidFill>
+              <a:effectLst>
+                <a:outerShdw blurRad="38100" dist="25400" dir="5400000" algn="ctr" rotWithShape="0">
+                  <a:srgbClr val="6E747A">
+                    <a:alpha val="43000"/>
+                  </a:srgbClr>
+                </a:outerShdw>
+              </a:effectLst>
+            </a:endParaRPr>
+          </a:p>
+        </p:txBody>
+      </p:sp>
+      <p:pic>
+        <p:nvPicPr>
+          <p:cNvPr id="5" name="图片 4">
+            <a:extLst>
+              <a:ext uri="{FF2B5EF4-FFF2-40B4-BE49-F238E27FC236}">
+                <a16:creationId xmlns:a16="http://schemas.microsoft.com/office/drawing/2014/main" id="{F6618A97-2D8D-48A1-8CA6-9D9BDAB6F199}"/>
+              </a:ext>
+            </a:extLst>
+          </p:cNvPr>
+          <p:cNvPicPr>
+            <a:picLocks noChangeAspect="1"/>
+          </p:cNvPicPr>
+          <p:nvPr/>
+        </p:nvPicPr>
+        <p:blipFill>
+          <a:blip r:embed="rId2"/>
+          <a:stretch>
+            <a:fillRect/>
+          </a:stretch>
+        </p:blipFill>
+        <p:spPr>
+          <a:xfrm>
+            <a:off x="1679562" y="2620047"/>
+            <a:ext cx="4642490" cy="2824452"/>
+          </a:xfrm>
+          <a:prstGeom prst="rect">
+            <a:avLst/>
+          </a:prstGeom>
+        </p:spPr>
+      </p:pic>
+      <p:pic>
+        <p:nvPicPr>
+          <p:cNvPr id="8" name="图片 7">
+            <a:extLst>
+              <a:ext uri="{FF2B5EF4-FFF2-40B4-BE49-F238E27FC236}">
+                <a16:creationId xmlns:a16="http://schemas.microsoft.com/office/drawing/2014/main" id="{B498DCC6-AA50-4074-97BC-27018418EE6E}"/>
+              </a:ext>
+            </a:extLst>
+          </p:cNvPr>
+          <p:cNvPicPr>
+            <a:picLocks noChangeAspect="1"/>
+          </p:cNvPicPr>
+          <p:nvPr/>
+        </p:nvPicPr>
+        <p:blipFill>
+          <a:blip r:embed="rId3"/>
+          <a:stretch>
+            <a:fillRect/>
+          </a:stretch>
+        </p:blipFill>
+        <p:spPr>
+          <a:xfrm>
+            <a:off x="7041543" y="1139780"/>
+            <a:ext cx="4545602" cy="2574657"/>
+          </a:xfrm>
+          <a:prstGeom prst="rect">
+            <a:avLst/>
+          </a:prstGeom>
+        </p:spPr>
+      </p:pic>
+      <p:pic>
+        <p:nvPicPr>
+          <p:cNvPr id="10" name="图片 9">
+            <a:extLst>
+              <a:ext uri="{FF2B5EF4-FFF2-40B4-BE49-F238E27FC236}">
+                <a16:creationId xmlns:a16="http://schemas.microsoft.com/office/drawing/2014/main" id="{5EA72043-33D5-4301-8591-9A59472BC4FD}"/>
+              </a:ext>
+            </a:extLst>
+          </p:cNvPr>
+          <p:cNvPicPr>
+            <a:picLocks noChangeAspect="1"/>
+          </p:cNvPicPr>
+          <p:nvPr/>
+        </p:nvPicPr>
+        <p:blipFill>
+          <a:blip r:embed="rId4"/>
+          <a:stretch>
+            <a:fillRect/>
+          </a:stretch>
+        </p:blipFill>
+        <p:spPr>
+          <a:xfrm>
+            <a:off x="6924871" y="3429000"/>
+            <a:ext cx="4642490" cy="2510499"/>
+          </a:xfrm>
+          <a:prstGeom prst="rect">
+            <a:avLst/>
+          </a:prstGeom>
+        </p:spPr>
+      </p:pic>
+    </p:spTree>
+    <p:extLst>
+      <p:ext uri="{BB962C8B-B14F-4D97-AF65-F5344CB8AC3E}">
+        <p14:creationId xmlns:p14="http://schemas.microsoft.com/office/powerpoint/2010/main" val="9448676"/>
+      </p:ext>
+    </p:extLst>
+  </p:cSld>
+  <p:clrMapOvr>
+    <a:masterClrMapping/>
+  </p:clrMapOvr>
+</p:sld>
+</file>
+
+<file path=ppt/slides/slide4.xml><?xml version="1.0" encoding="utf-8"?>
+<p:sld xmlns:a="http://schemas.openxmlformats.org/drawingml/2006/main" xmlns:r="http://schemas.openxmlformats.org/officeDocument/2006/relationships" xmlns:p="http://schemas.openxmlformats.org/presentationml/2006/main">
+  <p:cSld>
+    <p:spTree>
+      <p:nvGrpSpPr>
+        <p:cNvPr id="1" name=""/>
+        <p:cNvGrpSpPr/>
+        <p:nvPr/>
+      </p:nvGrpSpPr>
+      <p:grpSpPr>
+        <a:xfrm>
+          <a:off x="0" y="0"/>
+          <a:ext cx="0" cy="0"/>
+          <a:chOff x="0" y="0"/>
+          <a:chExt cx="0" cy="0"/>
+        </a:xfrm>
+      </p:grpSpPr>
+      <p:sp>
+        <p:nvSpPr>
+          <p:cNvPr id="2" name="标题 1">
+            <a:extLst>
+              <a:ext uri="{FF2B5EF4-FFF2-40B4-BE49-F238E27FC236}">
+                <a16:creationId xmlns:a16="http://schemas.microsoft.com/office/drawing/2014/main" id="{E7912C0B-2313-4AB7-A4E3-3983FF57DAF7}"/>
+              </a:ext>
+            </a:extLst>
+          </p:cNvPr>
+          <p:cNvSpPr>
+            <a:spLocks noGrp="1"/>
+          </p:cNvSpPr>
+          <p:nvPr>
+            <p:ph type="title"/>
+          </p:nvPr>
+        </p:nvSpPr>
+        <p:spPr>
+          <a:xfrm>
+            <a:off x="838200" y="365125"/>
+            <a:ext cx="10515600" cy="774655"/>
+          </a:xfrm>
+        </p:spPr>
+        <p:txBody>
+          <a:bodyPr/>
+          <a:lstStyle/>
+          <a:p>
+            <a:r>
+              <a:rPr lang="zh-CN" altLang="en-US" dirty="0">
+                <a:solidFill>
+                  <a:schemeClr val="accent1">
+                    <a:lumMod val="75000"/>
+                  </a:schemeClr>
+                </a:solidFill>
+                <a:latin typeface="隶书" panose="02010509060101010101" pitchFamily="49" charset="-122"/>
+                <a:ea typeface="隶书" panose="02010509060101010101" pitchFamily="49" charset="-122"/>
+              </a:rPr>
+              <a:t>下周安排</a:t>
+            </a:r>
+          </a:p>
+        </p:txBody>
+      </p:sp>
+      <p:sp>
+        <p:nvSpPr>
+          <p:cNvPr id="3" name="内容占位符 2">
+            <a:extLst>
+              <a:ext uri="{FF2B5EF4-FFF2-40B4-BE49-F238E27FC236}">
+                <a16:creationId xmlns:a16="http://schemas.microsoft.com/office/drawing/2014/main" id="{37D08B82-1B0D-4589-89F9-05A352599C4B}"/>
+              </a:ext>
+            </a:extLst>
+          </p:cNvPr>
+          <p:cNvSpPr>
+            <a:spLocks noGrp="1"/>
+          </p:cNvSpPr>
+          <p:nvPr>
+            <p:ph idx="1"/>
+          </p:nvPr>
+        </p:nvSpPr>
+        <p:spPr>
+          <a:xfrm>
+            <a:off x="838200" y="1413501"/>
+            <a:ext cx="10515600" cy="4910026"/>
+          </a:xfrm>
+        </p:spPr>
+        <p:txBody>
+          <a:bodyPr>
+            <a:normAutofit/>
+          </a:bodyPr>
+          <a:lstStyle/>
+          <a:p>
+            <a:pPr>
+              <a:buFont typeface="Wingdings" panose="05000000000000000000" pitchFamily="2" charset="2"/>
+              <a:buChar char="n"/>
+            </a:pPr>
+            <a:r>
+              <a:rPr lang="en-US" altLang="zh-CN" dirty="0">
+                <a:solidFill>
+                  <a:schemeClr val="accent5">
+                    <a:lumMod val="50000"/>
+                  </a:schemeClr>
+                </a:solidFill>
+                <a:latin typeface="隶书" panose="02010509060101010101" pitchFamily="49" charset="-122"/>
+                <a:ea typeface="隶书" panose="02010509060101010101" pitchFamily="49" charset="-122"/>
+              </a:rPr>
+              <a:t> </a:t>
+            </a:r>
+            <a:r>
+              <a:rPr lang="zh-CN" altLang="en-US" dirty="0">
+                <a:solidFill>
+                  <a:schemeClr val="accent5">
+                    <a:lumMod val="50000"/>
+                  </a:schemeClr>
+                </a:solidFill>
+                <a:latin typeface="隶书" panose="02010509060101010101" pitchFamily="49" charset="-122"/>
+                <a:ea typeface="隶书" panose="02010509060101010101" pitchFamily="49" charset="-122"/>
+              </a:rPr>
+              <a:t>实验</a:t>
+            </a:r>
+            <a:endParaRPr lang="en-US" altLang="zh-CN" dirty="0">
+              <a:solidFill>
+                <a:schemeClr val="accent5">
+                  <a:lumMod val="50000"/>
+                </a:schemeClr>
+              </a:solidFill>
+              <a:latin typeface="隶书" panose="02010509060101010101" pitchFamily="49" charset="-122"/>
+              <a:ea typeface="隶书" panose="02010509060101010101" pitchFamily="49" charset="-122"/>
+            </a:endParaRPr>
+          </a:p>
+          <a:p>
+            <a:pPr lvl="1">
+              <a:buFont typeface="Wingdings" panose="05000000000000000000" pitchFamily="2" charset="2"/>
+              <a:buChar char="l"/>
+            </a:pPr>
+            <a:r>
+              <a:rPr lang="en-US" altLang="zh-CN" dirty="0">
+                <a:solidFill>
+                  <a:schemeClr val="accent5">
+                    <a:lumMod val="50000"/>
+                  </a:schemeClr>
+                </a:solidFill>
+                <a:latin typeface="隶书" panose="02010509060101010101" pitchFamily="49" charset="-122"/>
+                <a:ea typeface="隶书" panose="02010509060101010101" pitchFamily="49" charset="-122"/>
+              </a:rPr>
+              <a:t> </a:t>
+            </a:r>
+            <a:r>
+              <a:rPr lang="zh-CN" altLang="en-US" dirty="0">
+                <a:solidFill>
+                  <a:schemeClr val="accent5">
+                    <a:lumMod val="50000"/>
+                  </a:schemeClr>
+                </a:solidFill>
+                <a:latin typeface="隶书" panose="02010509060101010101" pitchFamily="49" charset="-122"/>
+                <a:ea typeface="隶书" panose="02010509060101010101" pitchFamily="49" charset="-122"/>
+              </a:rPr>
+              <a:t>分析 钢材数据集 </a:t>
+            </a:r>
+            <a:r>
+              <a:rPr lang="en-US" altLang="zh-CN" dirty="0">
+                <a:solidFill>
+                  <a:schemeClr val="accent5">
+                    <a:lumMod val="50000"/>
+                  </a:schemeClr>
+                </a:solidFill>
+                <a:latin typeface="隶书" panose="02010509060101010101" pitchFamily="49" charset="-122"/>
+                <a:ea typeface="隶书" panose="02010509060101010101" pitchFamily="49" charset="-122"/>
+              </a:rPr>
+              <a:t>+ Faster RCNN </a:t>
+            </a:r>
+            <a:r>
+              <a:rPr lang="zh-CN" altLang="en-US" dirty="0">
+                <a:solidFill>
+                  <a:schemeClr val="accent5">
+                    <a:lumMod val="50000"/>
+                  </a:schemeClr>
+                </a:solidFill>
+                <a:latin typeface="隶书" panose="02010509060101010101" pitchFamily="49" charset="-122"/>
+                <a:ea typeface="隶书" panose="02010509060101010101" pitchFamily="49" charset="-122"/>
+              </a:rPr>
+              <a:t>实验结果</a:t>
+            </a:r>
+            <a:endParaRPr lang="en-US" altLang="zh-CN" dirty="0">
+              <a:solidFill>
+                <a:schemeClr val="accent5">
+                  <a:lumMod val="50000"/>
+                </a:schemeClr>
+              </a:solidFill>
+              <a:latin typeface="隶书" panose="02010509060101010101" pitchFamily="49" charset="-122"/>
+              <a:ea typeface="隶书" panose="02010509060101010101" pitchFamily="49" charset="-122"/>
+            </a:endParaRPr>
+          </a:p>
+          <a:p>
+            <a:pPr lvl="1">
+              <a:buFont typeface="Wingdings" panose="05000000000000000000" pitchFamily="2" charset="2"/>
+              <a:buChar char="l"/>
+            </a:pPr>
+            <a:r>
+              <a:rPr lang="zh-CN" altLang="en-US" dirty="0">
+                <a:solidFill>
+                  <a:schemeClr val="accent5">
+                    <a:lumMod val="50000"/>
+                  </a:schemeClr>
+                </a:solidFill>
+                <a:latin typeface="隶书" panose="02010509060101010101" pitchFamily="49" charset="-122"/>
+                <a:ea typeface="隶书" panose="02010509060101010101" pitchFamily="49" charset="-122"/>
+              </a:rPr>
+              <a:t> 基于</a:t>
+            </a:r>
+            <a:r>
+              <a:rPr lang="en-US" altLang="zh-CN" dirty="0">
+                <a:solidFill>
+                  <a:schemeClr val="accent5">
+                    <a:lumMod val="50000"/>
+                  </a:schemeClr>
+                </a:solidFill>
+                <a:latin typeface="隶书" panose="02010509060101010101" pitchFamily="49" charset="-122"/>
+                <a:ea typeface="隶书" panose="02010509060101010101" pitchFamily="49" charset="-122"/>
+              </a:rPr>
+              <a:t>FF R-CNN</a:t>
+            </a:r>
+            <a:r>
+              <a:rPr lang="zh-CN" altLang="en-US" dirty="0">
+                <a:solidFill>
+                  <a:schemeClr val="accent5">
+                    <a:lumMod val="50000"/>
+                  </a:schemeClr>
+                </a:solidFill>
+                <a:latin typeface="隶书" panose="02010509060101010101" pitchFamily="49" charset="-122"/>
+                <a:ea typeface="隶书" panose="02010509060101010101" pitchFamily="49" charset="-122"/>
+              </a:rPr>
+              <a:t>钢材表面缺陷检测算法</a:t>
+            </a:r>
+            <a:endParaRPr lang="en-US" altLang="zh-CN" dirty="0">
+              <a:solidFill>
+                <a:schemeClr val="accent5">
+                  <a:lumMod val="50000"/>
+                </a:schemeClr>
+              </a:solidFill>
+              <a:latin typeface="隶书" panose="02010509060101010101" pitchFamily="49" charset="-122"/>
+              <a:ea typeface="隶书" panose="02010509060101010101" pitchFamily="49" charset="-122"/>
+            </a:endParaRPr>
+          </a:p>
           <a:p>
             <a:pPr lvl="2">
               <a:buFont typeface="Wingdings" panose="05000000000000000000" pitchFamily="2" charset="2"/>
               <a:buChar char="Ø"/>
             </a:pPr>
             <a:r>
-              <a:rPr lang="en-US" altLang="zh-CN" dirty="0">
+              <a:rPr lang="zh-CN" altLang="en-US" dirty="0">
                 <a:solidFill>
                   <a:schemeClr val="accent5">
                     <a:lumMod val="50000"/>
@@ -4118,14 +4515,8 @@
                 <a:latin typeface="隶书" panose="02010509060101010101" pitchFamily="49" charset="-122"/>
                 <a:ea typeface="隶书" panose="02010509060101010101" pitchFamily="49" charset="-122"/>
               </a:rPr>
-              <a:t> Region Proposal Network</a:t>
-            </a:r>
-          </a:p>
-          <a:p>
-            <a:pPr lvl="2">
-              <a:buFont typeface="Wingdings" panose="05000000000000000000" pitchFamily="2" charset="2"/>
-              <a:buChar char="p"/>
-            </a:pPr>
+              <a:t>精度 </a:t>
+            </a:r>
             <a:r>
               <a:rPr lang="en-US" altLang="zh-CN" dirty="0">
                 <a:solidFill>
@@ -4136,16 +4527,10 @@
                 <a:latin typeface="隶书" panose="02010509060101010101" pitchFamily="49" charset="-122"/>
                 <a:ea typeface="隶书" panose="02010509060101010101" pitchFamily="49" charset="-122"/>
               </a:rPr>
-              <a:t> RoI Pooling</a:t>
-            </a:r>
-          </a:p>
-          <a:p>
-            <a:pPr lvl="2">
-              <a:buFont typeface="Wingdings" panose="05000000000000000000" pitchFamily="2" charset="2"/>
-              <a:buChar char="p"/>
-            </a:pPr>
-            <a:r>
-              <a:rPr lang="en-US" altLang="zh-CN" dirty="0">
+              <a:t>98.29 % —— </a:t>
+            </a:r>
+            <a:r>
+              <a:rPr lang="zh-CN" altLang="en-US" dirty="0">
                 <a:solidFill>
                   <a:schemeClr val="accent5">
                     <a:lumMod val="50000"/>
@@ -4154,8 +4539,17 @@
                 <a:latin typeface="隶书" panose="02010509060101010101" pitchFamily="49" charset="-122"/>
                 <a:ea typeface="隶书" panose="02010509060101010101" pitchFamily="49" charset="-122"/>
               </a:rPr>
-              <a:t> Classification &amp; Regression</a:t>
-            </a:r>
+              <a:t>复现</a:t>
+            </a:r>
+            <a:endParaRPr lang="en-US" altLang="zh-CN" dirty="0">
+              <a:solidFill>
+                <a:schemeClr val="accent5">
+                  <a:lumMod val="50000"/>
+                </a:schemeClr>
+              </a:solidFill>
+              <a:latin typeface="隶书" panose="02010509060101010101" pitchFamily="49" charset="-122"/>
+              <a:ea typeface="隶书" panose="02010509060101010101" pitchFamily="49" charset="-122"/>
+            </a:endParaRPr>
           </a:p>
           <a:p>
             <a:pPr>
